--- a/Keeping up with C#.pptx
+++ b/Keeping up with C#.pptx
@@ -276,7 +276,7 @@
           <a:p>
             <a:fld id="{CD52976B-C45C-4BAD-95CD-9AAA3C763348}" type="datetimeFigureOut">
               <a:rPr lang="en-US" smtClean="0"/>
-              <a:t>7/11/2022</a:t>
+              <a:t>7/14/2022</a:t>
             </a:fld>
             <a:endParaRPr lang="en-US"/>
           </a:p>
@@ -474,7 +474,7 @@
           <a:p>
             <a:fld id="{CD52976B-C45C-4BAD-95CD-9AAA3C763348}" type="datetimeFigureOut">
               <a:rPr lang="en-US" smtClean="0"/>
-              <a:t>7/11/2022</a:t>
+              <a:t>7/14/2022</a:t>
             </a:fld>
             <a:endParaRPr lang="en-US"/>
           </a:p>
@@ -682,7 +682,7 @@
           <a:p>
             <a:fld id="{CD52976B-C45C-4BAD-95CD-9AAA3C763348}" type="datetimeFigureOut">
               <a:rPr lang="en-US" smtClean="0"/>
-              <a:t>7/11/2022</a:t>
+              <a:t>7/14/2022</a:t>
             </a:fld>
             <a:endParaRPr lang="en-US"/>
           </a:p>
@@ -880,7 +880,7 @@
           <a:p>
             <a:fld id="{CD52976B-C45C-4BAD-95CD-9AAA3C763348}" type="datetimeFigureOut">
               <a:rPr lang="en-US" smtClean="0"/>
-              <a:t>7/11/2022</a:t>
+              <a:t>7/14/2022</a:t>
             </a:fld>
             <a:endParaRPr lang="en-US"/>
           </a:p>
@@ -1155,7 +1155,7 @@
           <a:p>
             <a:fld id="{CD52976B-C45C-4BAD-95CD-9AAA3C763348}" type="datetimeFigureOut">
               <a:rPr lang="en-US" smtClean="0"/>
-              <a:t>7/11/2022</a:t>
+              <a:t>7/14/2022</a:t>
             </a:fld>
             <a:endParaRPr lang="en-US"/>
           </a:p>
@@ -1420,7 +1420,7 @@
           <a:p>
             <a:fld id="{CD52976B-C45C-4BAD-95CD-9AAA3C763348}" type="datetimeFigureOut">
               <a:rPr lang="en-US" smtClean="0"/>
-              <a:t>7/11/2022</a:t>
+              <a:t>7/14/2022</a:t>
             </a:fld>
             <a:endParaRPr lang="en-US"/>
           </a:p>
@@ -1832,7 +1832,7 @@
           <a:p>
             <a:fld id="{CD52976B-C45C-4BAD-95CD-9AAA3C763348}" type="datetimeFigureOut">
               <a:rPr lang="en-US" smtClean="0"/>
-              <a:t>7/11/2022</a:t>
+              <a:t>7/14/2022</a:t>
             </a:fld>
             <a:endParaRPr lang="en-US"/>
           </a:p>
@@ -1973,7 +1973,7 @@
           <a:p>
             <a:fld id="{CD52976B-C45C-4BAD-95CD-9AAA3C763348}" type="datetimeFigureOut">
               <a:rPr lang="en-US" smtClean="0"/>
-              <a:t>7/11/2022</a:t>
+              <a:t>7/14/2022</a:t>
             </a:fld>
             <a:endParaRPr lang="en-US"/>
           </a:p>
@@ -2086,7 +2086,7 @@
           <a:p>
             <a:fld id="{CD52976B-C45C-4BAD-95CD-9AAA3C763348}" type="datetimeFigureOut">
               <a:rPr lang="en-US" smtClean="0"/>
-              <a:t>7/11/2022</a:t>
+              <a:t>7/14/2022</a:t>
             </a:fld>
             <a:endParaRPr lang="en-US"/>
           </a:p>
@@ -2397,7 +2397,7 @@
           <a:p>
             <a:fld id="{CD52976B-C45C-4BAD-95CD-9AAA3C763348}" type="datetimeFigureOut">
               <a:rPr lang="en-US" smtClean="0"/>
-              <a:t>7/11/2022</a:t>
+              <a:t>7/14/2022</a:t>
             </a:fld>
             <a:endParaRPr lang="en-US"/>
           </a:p>
@@ -2685,7 +2685,7 @@
           <a:p>
             <a:fld id="{CD52976B-C45C-4BAD-95CD-9AAA3C763348}" type="datetimeFigureOut">
               <a:rPr lang="en-US" smtClean="0"/>
-              <a:t>7/11/2022</a:t>
+              <a:t>7/14/2022</a:t>
             </a:fld>
             <a:endParaRPr lang="en-US"/>
           </a:p>
@@ -2935,7 +2935,7 @@
           <a:p>
             <a:fld id="{CD52976B-C45C-4BAD-95CD-9AAA3C763348}" type="datetimeFigureOut">
               <a:rPr lang="en-US" smtClean="0"/>
-              <a:t>7/11/2022</a:t>
+              <a:t>7/14/2022</a:t>
             </a:fld>
             <a:endParaRPr lang="en-US"/>
           </a:p>
@@ -18875,8 +18875,8 @@
         </p:nvSpPr>
         <p:spPr>
           <a:xfrm>
-            <a:off x="755650" y="112116"/>
-            <a:ext cx="10515600" cy="2852737"/>
+            <a:off x="755650" y="112117"/>
+            <a:ext cx="10515600" cy="1202334"/>
           </a:xfrm>
         </p:spPr>
         <p:txBody>
@@ -18904,7 +18904,7 @@
         </p:nvGrpSpPr>
         <p:grpSpPr>
           <a:xfrm>
-            <a:off x="755650" y="3844841"/>
+            <a:off x="755650" y="4661269"/>
             <a:ext cx="5721780" cy="1341181"/>
             <a:chOff x="489920" y="5305732"/>
             <a:chExt cx="5206426" cy="1220382"/>
@@ -19144,6 +19144,76 @@
           </p:sp>
         </p:grpSp>
       </p:grpSp>
+      <p:sp>
+        <p:nvSpPr>
+          <p:cNvPr id="3" name="TextBox 2">
+            <a:extLst>
+              <a:ext uri="{FF2B5EF4-FFF2-40B4-BE49-F238E27FC236}">
+                <a16:creationId xmlns:a16="http://schemas.microsoft.com/office/drawing/2014/main" id="{53269AE1-18DF-605A-A8A3-3F5F6D517FBD}"/>
+              </a:ext>
+            </a:extLst>
+          </p:cNvPr>
+          <p:cNvSpPr txBox="1"/>
+          <p:nvPr/>
+        </p:nvSpPr>
+        <p:spPr>
+          <a:xfrm>
+            <a:off x="755650" y="2303205"/>
+            <a:ext cx="8367996" cy="1815882"/>
+          </a:xfrm>
+          <a:prstGeom prst="rect">
+            <a:avLst/>
+          </a:prstGeom>
+          <a:noFill/>
+        </p:spPr>
+        <p:txBody>
+          <a:bodyPr wrap="none" rtlCol="0">
+            <a:spAutoFit/>
+          </a:bodyPr>
+          <a:lstStyle/>
+          <a:p>
+            <a:r>
+              <a:rPr lang="en-US" sz="2800" dirty="0">
+                <a:latin typeface="+mj-lt"/>
+              </a:rPr>
+              <a:t>Resources</a:t>
+            </a:r>
+          </a:p>
+          <a:p>
+            <a:pPr marL="285750" indent="-285750">
+              <a:buFont typeface="Arial" panose="020B0604020202020204" pitchFamily="34" charset="0"/>
+              <a:buChar char="•"/>
+            </a:pPr>
+            <a:r>
+              <a:rPr lang="en-US" sz="2800" dirty="0">
+                <a:hlinkClick r:id="rId4"/>
+              </a:rPr>
+              <a:t>https://devblogs.microsoft.com/dotnet/tag/c/</a:t>
+            </a:r>
+            <a:endParaRPr lang="en-US" sz="2800" dirty="0"/>
+          </a:p>
+          <a:p>
+            <a:pPr marL="285750" indent="-285750">
+              <a:buFont typeface="Arial" panose="020B0604020202020204" pitchFamily="34" charset="0"/>
+              <a:buChar char="•"/>
+            </a:pPr>
+            <a:r>
+              <a:rPr lang="en-US" sz="2800" dirty="0">
+                <a:hlinkClick r:id="rId5"/>
+              </a:rPr>
+              <a:t>https://github.com/dotnet/csharplang/</a:t>
+            </a:r>
+            <a:endParaRPr lang="en-US" sz="2800" dirty="0"/>
+          </a:p>
+          <a:p>
+            <a:pPr marL="285750" indent="-285750">
+              <a:buFont typeface="Arial" panose="020B0604020202020204" pitchFamily="34" charset="0"/>
+              <a:buChar char="•"/>
+            </a:pPr>
+            <a:endParaRPr lang="en-US" sz="2800" dirty="0"/>
+          </a:p>
+        </p:txBody>
+      </p:sp>
     </p:spTree>
     <p:extLst>
       <p:ext uri="{BB962C8B-B14F-4D97-AF65-F5344CB8AC3E}">
@@ -19158,7 +19228,7 @@
 </file>
 
 <file path=ppt/slides/slide2.xml><?xml version="1.0" encoding="utf-8"?>
-<p:sld xmlns:a="http://schemas.openxmlformats.org/drawingml/2006/main" xmlns:r="http://schemas.openxmlformats.org/officeDocument/2006/relationships" xmlns:p="http://schemas.openxmlformats.org/presentationml/2006/main">
+<p:sld xmlns:a="http://schemas.openxmlformats.org/drawingml/2006/main" xmlns:r="http://schemas.openxmlformats.org/officeDocument/2006/relationships" xmlns:p="http://schemas.openxmlformats.org/presentationml/2006/main" show="0">
   <p:cSld>
     <p:spTree>
       <p:nvGrpSpPr>
@@ -26118,6 +26188,253 @@
             <a:r>
               <a:rPr lang="en-US" sz="1100" b="0" dirty="0">
                 <a:solidFill>
+                  <a:srgbClr val="569CD6"/>
+                </a:solidFill>
+                <a:effectLst/>
+                <a:latin typeface="Consolas" panose="020B0609020204030204" pitchFamily="49" charset="0"/>
+              </a:rPr>
+              <a:t>int</a:t>
+            </a:r>
+            <a:r>
+              <a:rPr lang="en-US" sz="1100" b="0" dirty="0">
+                <a:solidFill>
+                  <a:srgbClr val="D4D4D4"/>
+                </a:solidFill>
+                <a:effectLst/>
+                <a:latin typeface="Consolas" panose="020B0609020204030204" pitchFamily="49" charset="0"/>
+              </a:rPr>
+              <a:t> </a:t>
+            </a:r>
+            <a:r>
+              <a:rPr lang="en-US" sz="1100" b="0" dirty="0">
+                <a:solidFill>
+                  <a:srgbClr val="9CDCFE"/>
+                </a:solidFill>
+                <a:effectLst/>
+                <a:latin typeface="Consolas" panose="020B0609020204030204" pitchFamily="49" charset="0"/>
+              </a:rPr>
+              <a:t>Number</a:t>
+            </a:r>
+            <a:r>
+              <a:rPr lang="en-US" sz="1100" b="0" dirty="0">
+                <a:solidFill>
+                  <a:srgbClr val="D4D4D4"/>
+                </a:solidFill>
+                <a:effectLst/>
+                <a:latin typeface="Consolas" panose="020B0609020204030204" pitchFamily="49" charset="0"/>
+              </a:rPr>
+              <a:t> { </a:t>
+            </a:r>
+            <a:r>
+              <a:rPr lang="en-US" sz="1100" b="0" dirty="0">
+                <a:solidFill>
+                  <a:srgbClr val="569CD6"/>
+                </a:solidFill>
+                <a:effectLst/>
+                <a:latin typeface="Consolas" panose="020B0609020204030204" pitchFamily="49" charset="0"/>
+              </a:rPr>
+              <a:t>get</a:t>
+            </a:r>
+            <a:r>
+              <a:rPr lang="en-US" sz="1100" b="0" dirty="0">
+                <a:solidFill>
+                  <a:srgbClr val="D4D4D4"/>
+                </a:solidFill>
+                <a:effectLst/>
+                <a:latin typeface="Consolas" panose="020B0609020204030204" pitchFamily="49" charset="0"/>
+              </a:rPr>
+              <a:t>; </a:t>
+            </a:r>
+            <a:r>
+              <a:rPr lang="en-US" sz="1100" b="0" dirty="0">
+                <a:solidFill>
+                  <a:srgbClr val="569CD6"/>
+                </a:solidFill>
+                <a:effectLst/>
+                <a:latin typeface="Consolas" panose="020B0609020204030204" pitchFamily="49" charset="0"/>
+              </a:rPr>
+              <a:t>set</a:t>
+            </a:r>
+            <a:r>
+              <a:rPr lang="en-US" sz="1100" b="0" dirty="0">
+                <a:solidFill>
+                  <a:srgbClr val="D4D4D4"/>
+                </a:solidFill>
+                <a:effectLst/>
+                <a:latin typeface="Consolas" panose="020B0609020204030204" pitchFamily="49" charset="0"/>
+              </a:rPr>
+              <a:t>; }</a:t>
+            </a:r>
+            <a:br>
+              <a:rPr lang="en-US" sz="1100" b="0" dirty="0">
+                <a:solidFill>
+                  <a:srgbClr val="D4D4D4"/>
+                </a:solidFill>
+                <a:effectLst/>
+                <a:latin typeface="Consolas" panose="020B0609020204030204" pitchFamily="49" charset="0"/>
+              </a:rPr>
+            </a:br>
+            <a:r>
+              <a:rPr lang="en-US" sz="1100" b="0" dirty="0">
+                <a:solidFill>
+                  <a:srgbClr val="D4D4D4"/>
+                </a:solidFill>
+                <a:effectLst/>
+                <a:latin typeface="Consolas" panose="020B0609020204030204" pitchFamily="49" charset="0"/>
+              </a:rPr>
+              <a:t>    </a:t>
+            </a:r>
+            <a:r>
+              <a:rPr lang="en-US" sz="1100" b="0" dirty="0">
+                <a:solidFill>
+                  <a:srgbClr val="569CD6"/>
+                </a:solidFill>
+                <a:effectLst/>
+                <a:latin typeface="Consolas" panose="020B0609020204030204" pitchFamily="49" charset="0"/>
+              </a:rPr>
+              <a:t>public</a:t>
+            </a:r>
+            <a:r>
+              <a:rPr lang="en-US" sz="1100" b="0" dirty="0">
+                <a:solidFill>
+                  <a:srgbClr val="D4D4D4"/>
+                </a:solidFill>
+                <a:effectLst/>
+                <a:latin typeface="Consolas" panose="020B0609020204030204" pitchFamily="49" charset="0"/>
+              </a:rPr>
+              <a:t> </a:t>
+            </a:r>
+            <a:r>
+              <a:rPr lang="en-US" sz="1100" b="0" dirty="0">
+                <a:solidFill>
+                  <a:srgbClr val="569CD6"/>
+                </a:solidFill>
+                <a:effectLst/>
+                <a:latin typeface="Consolas" panose="020B0609020204030204" pitchFamily="49" charset="0"/>
+              </a:rPr>
+              <a:t>string</a:t>
+            </a:r>
+            <a:r>
+              <a:rPr lang="en-US" sz="1100" b="0" dirty="0">
+                <a:solidFill>
+                  <a:srgbClr val="D4D4D4"/>
+                </a:solidFill>
+                <a:effectLst/>
+                <a:latin typeface="Consolas" panose="020B0609020204030204" pitchFamily="49" charset="0"/>
+              </a:rPr>
+              <a:t> </a:t>
+            </a:r>
+            <a:r>
+              <a:rPr lang="en-US" sz="1100" b="0" dirty="0">
+                <a:solidFill>
+                  <a:srgbClr val="9CDCFE"/>
+                </a:solidFill>
+                <a:effectLst/>
+                <a:latin typeface="Consolas" panose="020B0609020204030204" pitchFamily="49" charset="0"/>
+              </a:rPr>
+              <a:t>Text</a:t>
+            </a:r>
+            <a:r>
+              <a:rPr lang="en-US" sz="1100" b="0" dirty="0">
+                <a:solidFill>
+                  <a:srgbClr val="D4D4D4"/>
+                </a:solidFill>
+                <a:effectLst/>
+                <a:latin typeface="Consolas" panose="020B0609020204030204" pitchFamily="49" charset="0"/>
+              </a:rPr>
+              <a:t> { </a:t>
+            </a:r>
+            <a:r>
+              <a:rPr lang="en-US" sz="1100" b="0" dirty="0">
+                <a:solidFill>
+                  <a:srgbClr val="569CD6"/>
+                </a:solidFill>
+                <a:effectLst/>
+                <a:latin typeface="Consolas" panose="020B0609020204030204" pitchFamily="49" charset="0"/>
+              </a:rPr>
+              <a:t>get</a:t>
+            </a:r>
+            <a:r>
+              <a:rPr lang="en-US" sz="1100" b="0" dirty="0">
+                <a:solidFill>
+                  <a:srgbClr val="D4D4D4"/>
+                </a:solidFill>
+                <a:effectLst/>
+                <a:latin typeface="Consolas" panose="020B0609020204030204" pitchFamily="49" charset="0"/>
+              </a:rPr>
+              <a:t>; </a:t>
+            </a:r>
+            <a:r>
+              <a:rPr lang="en-US" sz="1100" b="0" dirty="0">
+                <a:solidFill>
+                  <a:srgbClr val="569CD6"/>
+                </a:solidFill>
+                <a:effectLst/>
+                <a:latin typeface="Consolas" panose="020B0609020204030204" pitchFamily="49" charset="0"/>
+              </a:rPr>
+              <a:t>set</a:t>
+            </a:r>
+            <a:r>
+              <a:rPr lang="en-US" sz="1100" b="0" dirty="0">
+                <a:solidFill>
+                  <a:srgbClr val="D4D4D4"/>
+                </a:solidFill>
+                <a:effectLst/>
+                <a:latin typeface="Consolas" panose="020B0609020204030204" pitchFamily="49" charset="0"/>
+              </a:rPr>
+              <a:t>; }</a:t>
+            </a:r>
+            <a:br>
+              <a:rPr lang="en-US" sz="1100" b="0" dirty="0">
+                <a:solidFill>
+                  <a:srgbClr val="D4D4D4"/>
+                </a:solidFill>
+                <a:effectLst/>
+                <a:latin typeface="Consolas" panose="020B0609020204030204" pitchFamily="49" charset="0"/>
+              </a:rPr>
+            </a:br>
+            <a:br>
+              <a:rPr lang="en-US" sz="1100" b="0" dirty="0">
+                <a:solidFill>
+                  <a:srgbClr val="D4D4D4"/>
+                </a:solidFill>
+                <a:effectLst/>
+                <a:latin typeface="Consolas" panose="020B0609020204030204" pitchFamily="49" charset="0"/>
+              </a:rPr>
+            </a:br>
+            <a:r>
+              <a:rPr lang="en-US" sz="1100" b="0" dirty="0">
+                <a:solidFill>
+                  <a:srgbClr val="D4D4D4"/>
+                </a:solidFill>
+                <a:effectLst/>
+                <a:latin typeface="Consolas" panose="020B0609020204030204" pitchFamily="49" charset="0"/>
+              </a:rPr>
+              <a:t>    </a:t>
+            </a:r>
+            <a:r>
+              <a:rPr lang="en-US" sz="1100" b="0" dirty="0">
+                <a:solidFill>
+                  <a:srgbClr val="569CD6"/>
+                </a:solidFill>
+                <a:effectLst/>
+                <a:latin typeface="Consolas" panose="020B0609020204030204" pitchFamily="49" charset="0"/>
+              </a:rPr>
+              <a:t>public</a:t>
+            </a:r>
+            <a:r>
+              <a:rPr lang="en-US" sz="1100" b="0" dirty="0">
+                <a:solidFill>
+                  <a:srgbClr val="D4D4D4"/>
+                </a:solidFill>
+                <a:effectLst/>
+                <a:latin typeface="Consolas" panose="020B0609020204030204" pitchFamily="49" charset="0"/>
+              </a:rPr>
+              <a:t> </a:t>
+            </a:r>
+            <a:r>
+              <a:rPr lang="en-US" sz="1100" b="0" dirty="0">
+                <a:solidFill>
                   <a:srgbClr val="4EC9B0"/>
                 </a:solidFill>
                 <a:effectLst/>
@@ -26204,6 +26521,430 @@
                 <a:latin typeface="Consolas" panose="020B0609020204030204" pitchFamily="49" charset="0"/>
               </a:rPr>
             </a:br>
+            <a:br>
+              <a:rPr lang="en-US" sz="1100" b="0" dirty="0">
+                <a:solidFill>
+                  <a:srgbClr val="D4D4D4"/>
+                </a:solidFill>
+                <a:effectLst/>
+                <a:latin typeface="Consolas" panose="020B0609020204030204" pitchFamily="49" charset="0"/>
+              </a:rPr>
+            </a:br>
+            <a:r>
+              <a:rPr lang="en-US" sz="1100" b="0" dirty="0">
+                <a:solidFill>
+                  <a:srgbClr val="D4D4D4"/>
+                </a:solidFill>
+                <a:effectLst/>
+                <a:latin typeface="Consolas" panose="020B0609020204030204" pitchFamily="49" charset="0"/>
+              </a:rPr>
+              <a:t>    </a:t>
+            </a:r>
+            <a:r>
+              <a:rPr lang="en-US" sz="1100" b="0" dirty="0">
+                <a:solidFill>
+                  <a:srgbClr val="569CD6"/>
+                </a:solidFill>
+                <a:effectLst/>
+                <a:latin typeface="Consolas" panose="020B0609020204030204" pitchFamily="49" charset="0"/>
+              </a:rPr>
+              <a:t>public</a:t>
+            </a:r>
+            <a:r>
+              <a:rPr lang="en-US" sz="1100" b="0" dirty="0">
+                <a:solidFill>
+                  <a:srgbClr val="D4D4D4"/>
+                </a:solidFill>
+                <a:effectLst/>
+                <a:latin typeface="Consolas" panose="020B0609020204030204" pitchFamily="49" charset="0"/>
+              </a:rPr>
+              <a:t> </a:t>
+            </a:r>
+            <a:r>
+              <a:rPr lang="en-US" sz="1100" b="0" dirty="0">
+                <a:solidFill>
+                  <a:srgbClr val="569CD6"/>
+                </a:solidFill>
+                <a:effectLst/>
+                <a:latin typeface="Consolas" panose="020B0609020204030204" pitchFamily="49" charset="0"/>
+              </a:rPr>
+              <a:t>void</a:t>
+            </a:r>
+            <a:r>
+              <a:rPr lang="en-US" sz="1100" b="0" dirty="0">
+                <a:solidFill>
+                  <a:srgbClr val="D4D4D4"/>
+                </a:solidFill>
+                <a:effectLst/>
+                <a:latin typeface="Consolas" panose="020B0609020204030204" pitchFamily="49" charset="0"/>
+              </a:rPr>
+              <a:t> </a:t>
+            </a:r>
+            <a:r>
+              <a:rPr lang="en-US" sz="1100" b="0" dirty="0">
+                <a:solidFill>
+                  <a:srgbClr val="DCDCAA"/>
+                </a:solidFill>
+                <a:effectLst/>
+                <a:latin typeface="Consolas" panose="020B0609020204030204" pitchFamily="49" charset="0"/>
+              </a:rPr>
+              <a:t>Deconstruct</a:t>
+            </a:r>
+            <a:r>
+              <a:rPr lang="en-US" sz="1100" b="0" dirty="0">
+                <a:solidFill>
+                  <a:srgbClr val="D4D4D4"/>
+                </a:solidFill>
+                <a:effectLst/>
+                <a:latin typeface="Consolas" panose="020B0609020204030204" pitchFamily="49" charset="0"/>
+              </a:rPr>
+              <a:t>(</a:t>
+            </a:r>
+            <a:r>
+              <a:rPr lang="en-US" sz="1100" b="0" dirty="0">
+                <a:solidFill>
+                  <a:srgbClr val="569CD6"/>
+                </a:solidFill>
+                <a:effectLst/>
+                <a:latin typeface="Consolas" panose="020B0609020204030204" pitchFamily="49" charset="0"/>
+              </a:rPr>
+              <a:t>out</a:t>
+            </a:r>
+            <a:r>
+              <a:rPr lang="en-US" sz="1100" b="0" dirty="0">
+                <a:solidFill>
+                  <a:srgbClr val="D4D4D4"/>
+                </a:solidFill>
+                <a:effectLst/>
+                <a:latin typeface="Consolas" panose="020B0609020204030204" pitchFamily="49" charset="0"/>
+              </a:rPr>
+              <a:t> </a:t>
+            </a:r>
+            <a:r>
+              <a:rPr lang="en-US" sz="1100" b="0" dirty="0">
+                <a:solidFill>
+                  <a:srgbClr val="569CD6"/>
+                </a:solidFill>
+                <a:effectLst/>
+                <a:latin typeface="Consolas" panose="020B0609020204030204" pitchFamily="49" charset="0"/>
+              </a:rPr>
+              <a:t>int</a:t>
+            </a:r>
+            <a:r>
+              <a:rPr lang="en-US" sz="1100" b="0" dirty="0">
+                <a:solidFill>
+                  <a:srgbClr val="D4D4D4"/>
+                </a:solidFill>
+                <a:effectLst/>
+                <a:latin typeface="Consolas" panose="020B0609020204030204" pitchFamily="49" charset="0"/>
+              </a:rPr>
+              <a:t> </a:t>
+            </a:r>
+            <a:r>
+              <a:rPr lang="en-US" sz="1100" b="0" dirty="0">
+                <a:solidFill>
+                  <a:srgbClr val="9CDCFE"/>
+                </a:solidFill>
+                <a:effectLst/>
+                <a:latin typeface="Consolas" panose="020B0609020204030204" pitchFamily="49" charset="0"/>
+              </a:rPr>
+              <a:t>Number</a:t>
+            </a:r>
+            <a:r>
+              <a:rPr lang="en-US" sz="1100" b="0" dirty="0">
+                <a:solidFill>
+                  <a:srgbClr val="D4D4D4"/>
+                </a:solidFill>
+                <a:effectLst/>
+                <a:latin typeface="Consolas" panose="020B0609020204030204" pitchFamily="49" charset="0"/>
+              </a:rPr>
+              <a:t>, </a:t>
+            </a:r>
+            <a:r>
+              <a:rPr lang="en-US" sz="1100" b="0" dirty="0">
+                <a:solidFill>
+                  <a:srgbClr val="569CD6"/>
+                </a:solidFill>
+                <a:effectLst/>
+                <a:latin typeface="Consolas" panose="020B0609020204030204" pitchFamily="49" charset="0"/>
+              </a:rPr>
+              <a:t>out</a:t>
+            </a:r>
+            <a:r>
+              <a:rPr lang="en-US" sz="1100" b="0" dirty="0">
+                <a:solidFill>
+                  <a:srgbClr val="D4D4D4"/>
+                </a:solidFill>
+                <a:effectLst/>
+                <a:latin typeface="Consolas" panose="020B0609020204030204" pitchFamily="49" charset="0"/>
+              </a:rPr>
+              <a:t> </a:t>
+            </a:r>
+            <a:r>
+              <a:rPr lang="en-US" sz="1100" b="0" dirty="0">
+                <a:solidFill>
+                  <a:srgbClr val="569CD6"/>
+                </a:solidFill>
+                <a:effectLst/>
+                <a:latin typeface="Consolas" panose="020B0609020204030204" pitchFamily="49" charset="0"/>
+              </a:rPr>
+              <a:t>int</a:t>
+            </a:r>
+            <a:r>
+              <a:rPr lang="en-US" sz="1100" b="0" dirty="0">
+                <a:solidFill>
+                  <a:srgbClr val="D4D4D4"/>
+                </a:solidFill>
+                <a:effectLst/>
+                <a:latin typeface="Consolas" panose="020B0609020204030204" pitchFamily="49" charset="0"/>
+              </a:rPr>
+              <a:t> </a:t>
+            </a:r>
+            <a:r>
+              <a:rPr lang="en-US" sz="1100" b="0" dirty="0">
+                <a:solidFill>
+                  <a:srgbClr val="9CDCFE"/>
+                </a:solidFill>
+                <a:effectLst/>
+                <a:latin typeface="Consolas" panose="020B0609020204030204" pitchFamily="49" charset="0"/>
+              </a:rPr>
+              <a:t>Text</a:t>
+            </a:r>
+            <a:r>
+              <a:rPr lang="en-US" sz="1100" b="0" dirty="0">
+                <a:solidFill>
+                  <a:srgbClr val="D4D4D4"/>
+                </a:solidFill>
+                <a:effectLst/>
+                <a:latin typeface="Consolas" panose="020B0609020204030204" pitchFamily="49" charset="0"/>
+              </a:rPr>
+              <a:t>)</a:t>
+            </a:r>
+            <a:br>
+              <a:rPr lang="en-US" sz="1100" b="0" dirty="0">
+                <a:solidFill>
+                  <a:srgbClr val="D4D4D4"/>
+                </a:solidFill>
+                <a:effectLst/>
+                <a:latin typeface="Consolas" panose="020B0609020204030204" pitchFamily="49" charset="0"/>
+              </a:rPr>
+            </a:br>
+            <a:r>
+              <a:rPr lang="en-US" sz="1100" b="0" dirty="0">
+                <a:solidFill>
+                  <a:srgbClr val="D4D4D4"/>
+                </a:solidFill>
+                <a:effectLst/>
+                <a:latin typeface="Consolas" panose="020B0609020204030204" pitchFamily="49" charset="0"/>
+              </a:rPr>
+              <a:t>    {</a:t>
+            </a:r>
+            <a:br>
+              <a:rPr lang="en-US" sz="1100" b="0" dirty="0">
+                <a:solidFill>
+                  <a:srgbClr val="D4D4D4"/>
+                </a:solidFill>
+                <a:effectLst/>
+                <a:latin typeface="Consolas" panose="020B0609020204030204" pitchFamily="49" charset="0"/>
+              </a:rPr>
+            </a:br>
+            <a:r>
+              <a:rPr lang="en-US" sz="1100" b="0" dirty="0">
+                <a:solidFill>
+                  <a:srgbClr val="D4D4D4"/>
+                </a:solidFill>
+                <a:effectLst/>
+                <a:latin typeface="Consolas" panose="020B0609020204030204" pitchFamily="49" charset="0"/>
+              </a:rPr>
+              <a:t>        </a:t>
+            </a:r>
+            <a:r>
+              <a:rPr lang="en-US" sz="1100" b="0" dirty="0">
+                <a:solidFill>
+                  <a:srgbClr val="9CDCFE"/>
+                </a:solidFill>
+                <a:effectLst/>
+                <a:latin typeface="Consolas" panose="020B0609020204030204" pitchFamily="49" charset="0"/>
+              </a:rPr>
+              <a:t>Number</a:t>
+            </a:r>
+            <a:r>
+              <a:rPr lang="en-US" sz="1100" b="0" dirty="0">
+                <a:solidFill>
+                  <a:srgbClr val="D4D4D4"/>
+                </a:solidFill>
+                <a:effectLst/>
+                <a:latin typeface="Consolas" panose="020B0609020204030204" pitchFamily="49" charset="0"/>
+              </a:rPr>
+              <a:t> = </a:t>
+            </a:r>
+            <a:r>
+              <a:rPr lang="en-US" sz="1100" b="0" dirty="0" err="1">
+                <a:solidFill>
+                  <a:srgbClr val="569CD6"/>
+                </a:solidFill>
+                <a:effectLst/>
+                <a:latin typeface="Consolas" panose="020B0609020204030204" pitchFamily="49" charset="0"/>
+              </a:rPr>
+              <a:t>this</a:t>
+            </a:r>
+            <a:r>
+              <a:rPr lang="en-US" sz="1100" b="0" dirty="0" err="1">
+                <a:solidFill>
+                  <a:srgbClr val="D4D4D4"/>
+                </a:solidFill>
+                <a:effectLst/>
+                <a:latin typeface="Consolas" panose="020B0609020204030204" pitchFamily="49" charset="0"/>
+              </a:rPr>
+              <a:t>.</a:t>
+            </a:r>
+            <a:r>
+              <a:rPr lang="en-US" sz="1100" b="0" dirty="0" err="1">
+                <a:solidFill>
+                  <a:srgbClr val="9CDCFE"/>
+                </a:solidFill>
+                <a:effectLst/>
+                <a:latin typeface="Consolas" panose="020B0609020204030204" pitchFamily="49" charset="0"/>
+              </a:rPr>
+              <a:t>Number</a:t>
+            </a:r>
+            <a:r>
+              <a:rPr lang="en-US" sz="1100" b="0" dirty="0">
+                <a:solidFill>
+                  <a:srgbClr val="D4D4D4"/>
+                </a:solidFill>
+                <a:effectLst/>
+                <a:latin typeface="Consolas" panose="020B0609020204030204" pitchFamily="49" charset="0"/>
+              </a:rPr>
+              <a:t>;</a:t>
+            </a:r>
+            <a:br>
+              <a:rPr lang="en-US" sz="1100" b="0" dirty="0">
+                <a:solidFill>
+                  <a:srgbClr val="D4D4D4"/>
+                </a:solidFill>
+                <a:effectLst/>
+                <a:latin typeface="Consolas" panose="020B0609020204030204" pitchFamily="49" charset="0"/>
+              </a:rPr>
+            </a:br>
+            <a:r>
+              <a:rPr lang="en-US" sz="1100" b="0" dirty="0">
+                <a:solidFill>
+                  <a:srgbClr val="D4D4D4"/>
+                </a:solidFill>
+                <a:effectLst/>
+                <a:latin typeface="Consolas" panose="020B0609020204030204" pitchFamily="49" charset="0"/>
+              </a:rPr>
+              <a:t>        </a:t>
+            </a:r>
+            <a:r>
+              <a:rPr lang="en-US" sz="1100" b="0" dirty="0">
+                <a:solidFill>
+                  <a:srgbClr val="9CDCFE"/>
+                </a:solidFill>
+                <a:effectLst/>
+                <a:latin typeface="Consolas" panose="020B0609020204030204" pitchFamily="49" charset="0"/>
+              </a:rPr>
+              <a:t>Text</a:t>
+            </a:r>
+            <a:r>
+              <a:rPr lang="en-US" sz="1100" b="0" dirty="0">
+                <a:solidFill>
+                  <a:srgbClr val="D4D4D4"/>
+                </a:solidFill>
+                <a:effectLst/>
+                <a:latin typeface="Consolas" panose="020B0609020204030204" pitchFamily="49" charset="0"/>
+              </a:rPr>
+              <a:t> = </a:t>
+            </a:r>
+            <a:r>
+              <a:rPr lang="en-US" sz="1100" b="0" dirty="0" err="1">
+                <a:solidFill>
+                  <a:srgbClr val="569CD6"/>
+                </a:solidFill>
+                <a:effectLst/>
+                <a:latin typeface="Consolas" panose="020B0609020204030204" pitchFamily="49" charset="0"/>
+              </a:rPr>
+              <a:t>this</a:t>
+            </a:r>
+            <a:r>
+              <a:rPr lang="en-US" sz="1100" b="0" dirty="0" err="1">
+                <a:solidFill>
+                  <a:srgbClr val="D4D4D4"/>
+                </a:solidFill>
+                <a:effectLst/>
+                <a:latin typeface="Consolas" panose="020B0609020204030204" pitchFamily="49" charset="0"/>
+              </a:rPr>
+              <a:t>.</a:t>
+            </a:r>
+            <a:r>
+              <a:rPr lang="en-US" sz="1100" b="0" dirty="0" err="1">
+                <a:solidFill>
+                  <a:srgbClr val="9CDCFE"/>
+                </a:solidFill>
+                <a:effectLst/>
+                <a:latin typeface="Consolas" panose="020B0609020204030204" pitchFamily="49" charset="0"/>
+              </a:rPr>
+              <a:t>Text</a:t>
+            </a:r>
+            <a:r>
+              <a:rPr lang="en-US" sz="1100" b="0" dirty="0" err="1">
+                <a:solidFill>
+                  <a:srgbClr val="D4D4D4"/>
+                </a:solidFill>
+                <a:effectLst/>
+                <a:latin typeface="Consolas" panose="020B0609020204030204" pitchFamily="49" charset="0"/>
+              </a:rPr>
+              <a:t>.</a:t>
+            </a:r>
+            <a:r>
+              <a:rPr lang="en-US" sz="1100" b="0" dirty="0" err="1">
+                <a:solidFill>
+                  <a:srgbClr val="9CDCFE"/>
+                </a:solidFill>
+                <a:effectLst/>
+                <a:latin typeface="Consolas" panose="020B0609020204030204" pitchFamily="49" charset="0"/>
+              </a:rPr>
+              <a:t>Length</a:t>
+            </a:r>
+            <a:r>
+              <a:rPr lang="en-US" sz="1100" b="0" dirty="0">
+                <a:solidFill>
+                  <a:srgbClr val="D4D4D4"/>
+                </a:solidFill>
+                <a:effectLst/>
+                <a:latin typeface="Consolas" panose="020B0609020204030204" pitchFamily="49" charset="0"/>
+              </a:rPr>
+              <a:t>;</a:t>
+            </a:r>
+            <a:br>
+              <a:rPr lang="en-US" sz="1100" b="0" dirty="0">
+                <a:solidFill>
+                  <a:srgbClr val="D4D4D4"/>
+                </a:solidFill>
+                <a:effectLst/>
+                <a:latin typeface="Consolas" panose="020B0609020204030204" pitchFamily="49" charset="0"/>
+              </a:rPr>
+            </a:br>
+            <a:r>
+              <a:rPr lang="en-US" sz="1100" b="0" dirty="0">
+                <a:solidFill>
+                  <a:srgbClr val="D4D4D4"/>
+                </a:solidFill>
+                <a:effectLst/>
+                <a:latin typeface="Consolas" panose="020B0609020204030204" pitchFamily="49" charset="0"/>
+              </a:rPr>
+              <a:t>    }</a:t>
+            </a:r>
+            <a:br>
+              <a:rPr lang="en-US" sz="1100" b="0" dirty="0">
+                <a:solidFill>
+                  <a:srgbClr val="D4D4D4"/>
+                </a:solidFill>
+                <a:effectLst/>
+                <a:latin typeface="Consolas" panose="020B0609020204030204" pitchFamily="49" charset="0"/>
+              </a:rPr>
+            </a:br>
             <a:r>
               <a:rPr lang="en-US" sz="1100" b="0" dirty="0">
                 <a:solidFill>
@@ -26214,14 +26955,6 @@
               </a:rPr>
               <a:t>}</a:t>
             </a:r>
-          </a:p>
-          <a:p>
-            <a:pPr marL="0" indent="0">
-              <a:lnSpc>
-                <a:spcPct val="100000"/>
-              </a:lnSpc>
-              <a:buNone/>
-            </a:pPr>
             <a:endParaRPr lang="en-US" sz="1100" dirty="0"/>
           </a:p>
         </p:txBody>
@@ -26558,7 +27291,7 @@
         </p:nvSpPr>
         <p:spPr>
           <a:xfrm>
-            <a:off x="6331170" y="4505942"/>
+            <a:off x="6378467" y="4938649"/>
             <a:ext cx="4334201" cy="283779"/>
           </a:xfrm>
           <a:prstGeom prst="rect">
@@ -26613,6 +27346,59 @@
           <a:xfrm>
             <a:off x="7836119" y="3086752"/>
             <a:ext cx="1267540" cy="283779"/>
+          </a:xfrm>
+          <a:prstGeom prst="rect">
+            <a:avLst/>
+          </a:prstGeom>
+          <a:noFill/>
+          <a:effectLst>
+            <a:glow rad="63500">
+              <a:schemeClr val="accent2">
+                <a:satMod val="175000"/>
+                <a:alpha val="40000"/>
+              </a:schemeClr>
+            </a:glow>
+          </a:effectLst>
+        </p:spPr>
+        <p:style>
+          <a:lnRef idx="2">
+            <a:schemeClr val="accent4"/>
+          </a:lnRef>
+          <a:fillRef idx="1">
+            <a:schemeClr val="lt1"/>
+          </a:fillRef>
+          <a:effectRef idx="0">
+            <a:schemeClr val="accent4"/>
+          </a:effectRef>
+          <a:fontRef idx="minor">
+            <a:schemeClr val="dk1"/>
+          </a:fontRef>
+        </p:style>
+        <p:txBody>
+          <a:bodyPr rtlCol="0" anchor="ctr"/>
+          <a:lstStyle/>
+          <a:p>
+            <a:pPr algn="ctr"/>
+            <a:endParaRPr lang="en-US"/>
+          </a:p>
+        </p:txBody>
+      </p:sp>
+      <p:sp>
+        <p:nvSpPr>
+          <p:cNvPr id="13" name="Rectangle 12">
+            <a:extLst>
+              <a:ext uri="{FF2B5EF4-FFF2-40B4-BE49-F238E27FC236}">
+                <a16:creationId xmlns:a16="http://schemas.microsoft.com/office/drawing/2014/main" id="{EA4DF70A-A4DC-BB80-603D-BB3B8ED2BFCA}"/>
+              </a:ext>
+            </a:extLst>
+          </p:cNvPr>
+          <p:cNvSpPr/>
+          <p:nvPr/>
+        </p:nvSpPr>
+        <p:spPr>
+          <a:xfrm>
+            <a:off x="6379781" y="5281965"/>
+            <a:ext cx="4154480" cy="831908"/>
           </a:xfrm>
           <a:prstGeom prst="rect">
             <a:avLst/>
@@ -26736,7 +27522,7 @@
                             </p:stCondLst>
                             <p:childTnLst>
                               <p:par>
-                                <p:cTn id="9" presetID="1" presetClass="entr" presetSubtype="0" fill="hold" grpId="0" nodeType="afterEffect">
+                                <p:cTn id="9" presetID="10" presetClass="entr" presetSubtype="0" fill="hold" grpId="0" nodeType="afterEffect">
                                   <p:stCondLst>
                                     <p:cond delay="0"/>
                                   </p:stCondLst>
@@ -26759,6 +27545,14 @@
                                         <p:strVal val="visible"/>
                                       </p:to>
                                     </p:set>
+                                    <p:animEffect transition="in" filter="fade">
+                                      <p:cBhvr>
+                                        <p:cTn id="11" dur="500"/>
+                                        <p:tgtEl>
+                                          <p:spTgt spid="10"/>
+                                        </p:tgtEl>
+                                      </p:cBhvr>
+                                    </p:animEffect>
                                   </p:childTnLst>
                                 </p:cTn>
                               </p:par>
@@ -26769,26 +27563,26 @@
                     </p:cTn>
                   </p:par>
                   <p:par>
-                    <p:cTn id="11" fill="hold">
+                    <p:cTn id="12" fill="hold">
                       <p:stCondLst>
                         <p:cond delay="indefinite"/>
                       </p:stCondLst>
                       <p:childTnLst>
                         <p:par>
-                          <p:cTn id="12" fill="hold">
+                          <p:cTn id="13" fill="hold">
                             <p:stCondLst>
                               <p:cond delay="0"/>
                             </p:stCondLst>
                             <p:childTnLst>
                               <p:par>
-                                <p:cTn id="13" presetID="10" presetClass="entr" presetSubtype="0" fill="hold" grpId="0" nodeType="clickEffect">
+                                <p:cTn id="14" presetID="10" presetClass="entr" presetSubtype="0" fill="hold" grpId="0" nodeType="clickEffect">
                                   <p:stCondLst>
                                     <p:cond delay="0"/>
                                   </p:stCondLst>
                                   <p:childTnLst>
                                     <p:set>
                                       <p:cBhvr>
-                                        <p:cTn id="14" dur="1" fill="hold">
+                                        <p:cTn id="15" dur="1" fill="hold">
                                           <p:stCondLst>
                                             <p:cond delay="0"/>
                                           </p:stCondLst>
@@ -26810,7 +27604,7 @@
                                     </p:set>
                                     <p:animEffect transition="in" filter="fade">
                                       <p:cBhvr>
-                                        <p:cTn id="15" dur="500"/>
+                                        <p:cTn id="16" dur="500"/>
                                         <p:tgtEl>
                                           <p:spTgt spid="3">
                                             <p:txEl>
@@ -26824,14 +27618,14 @@
                                 </p:cTn>
                               </p:par>
                               <p:par>
-                                <p:cTn id="16" presetID="1" presetClass="exit" presetSubtype="0" fill="hold" grpId="1" nodeType="withEffect">
+                                <p:cTn id="17" presetID="1" presetClass="exit" presetSubtype="0" fill="hold" grpId="1" nodeType="withEffect">
                                   <p:stCondLst>
                                     <p:cond delay="0"/>
                                   </p:stCondLst>
                                   <p:childTnLst>
                                     <p:set>
                                       <p:cBhvr>
-                                        <p:cTn id="17" dur="1" fill="hold">
+                                        <p:cTn id="18" dur="1" fill="hold">
                                           <p:stCondLst>
                                             <p:cond delay="0"/>
                                           </p:stCondLst>
@@ -26854,20 +27648,20 @@
                           </p:cTn>
                         </p:par>
                         <p:par>
-                          <p:cTn id="18" fill="hold">
+                          <p:cTn id="19" fill="hold">
                             <p:stCondLst>
                               <p:cond delay="500"/>
                             </p:stCondLst>
                             <p:childTnLst>
                               <p:par>
-                                <p:cTn id="19" presetID="1" presetClass="entr" presetSubtype="0" fill="hold" grpId="0" nodeType="afterEffect">
+                                <p:cTn id="20" presetID="10" presetClass="entr" presetSubtype="0" fill="hold" grpId="0" nodeType="afterEffect">
                                   <p:stCondLst>
                                     <p:cond delay="0"/>
                                   </p:stCondLst>
                                   <p:childTnLst>
                                     <p:set>
                                       <p:cBhvr>
-                                        <p:cTn id="20" dur="1" fill="hold">
+                                        <p:cTn id="21" dur="1" fill="hold">
                                           <p:stCondLst>
                                             <p:cond delay="0"/>
                                           </p:stCondLst>
@@ -26883,6 +27677,14 @@
                                         <p:strVal val="visible"/>
                                       </p:to>
                                     </p:set>
+                                    <p:animEffect transition="in" filter="fade">
+                                      <p:cBhvr>
+                                        <p:cTn id="22" dur="500"/>
+                                        <p:tgtEl>
+                                          <p:spTgt spid="9"/>
+                                        </p:tgtEl>
+                                      </p:cBhvr>
+                                    </p:animEffect>
                                   </p:childTnLst>
                                 </p:cTn>
                               </p:par>
@@ -26893,26 +27695,26 @@
                     </p:cTn>
                   </p:par>
                   <p:par>
-                    <p:cTn id="21" fill="hold">
+                    <p:cTn id="23" fill="hold">
                       <p:stCondLst>
                         <p:cond delay="indefinite"/>
                       </p:stCondLst>
                       <p:childTnLst>
                         <p:par>
-                          <p:cTn id="22" fill="hold">
+                          <p:cTn id="24" fill="hold">
                             <p:stCondLst>
                               <p:cond delay="0"/>
                             </p:stCondLst>
                             <p:childTnLst>
                               <p:par>
-                                <p:cTn id="23" presetID="10" presetClass="entr" presetSubtype="0" fill="hold" grpId="0" nodeType="clickEffect">
+                                <p:cTn id="25" presetID="10" presetClass="entr" presetSubtype="0" fill="hold" grpId="0" nodeType="clickEffect">
                                   <p:stCondLst>
                                     <p:cond delay="0"/>
                                   </p:stCondLst>
                                   <p:childTnLst>
                                     <p:set>
                                       <p:cBhvr>
-                                        <p:cTn id="24" dur="1" fill="hold">
+                                        <p:cTn id="26" dur="1" fill="hold">
                                           <p:stCondLst>
                                             <p:cond delay="0"/>
                                           </p:stCondLst>
@@ -26934,7 +27736,7 @@
                                     </p:set>
                                     <p:animEffect transition="in" filter="fade">
                                       <p:cBhvr>
-                                        <p:cTn id="25" dur="500"/>
+                                        <p:cTn id="27" dur="500"/>
                                         <p:tgtEl>
                                           <p:spTgt spid="3">
                                             <p:txEl>
@@ -26948,14 +27750,14 @@
                                 </p:cTn>
                               </p:par>
                               <p:par>
-                                <p:cTn id="26" presetID="1" presetClass="exit" presetSubtype="0" fill="hold" grpId="1" nodeType="withEffect">
+                                <p:cTn id="28" presetID="1" presetClass="exit" presetSubtype="0" fill="hold" grpId="1" nodeType="withEffect">
                                   <p:stCondLst>
                                     <p:cond delay="0"/>
                                   </p:stCondLst>
                                   <p:childTnLst>
                                     <p:set>
                                       <p:cBhvr>
-                                        <p:cTn id="27" dur="1" fill="hold">
+                                        <p:cTn id="29" dur="1" fill="hold">
                                           <p:stCondLst>
                                             <p:cond delay="0"/>
                                           </p:stCondLst>
@@ -26978,20 +27780,20 @@
                           </p:cTn>
                         </p:par>
                         <p:par>
-                          <p:cTn id="28" fill="hold">
+                          <p:cTn id="30" fill="hold">
                             <p:stCondLst>
                               <p:cond delay="500"/>
                             </p:stCondLst>
                             <p:childTnLst>
                               <p:par>
-                                <p:cTn id="29" presetID="10" presetClass="entr" presetSubtype="0" fill="hold" grpId="0" nodeType="afterEffect">
+                                <p:cTn id="31" presetID="10" presetClass="entr" presetSubtype="0" fill="hold" grpId="0" nodeType="afterEffect">
                                   <p:stCondLst>
                                     <p:cond delay="0"/>
                                   </p:stCondLst>
                                   <p:childTnLst>
                                     <p:set>
                                       <p:cBhvr>
-                                        <p:cTn id="30" dur="1" fill="hold">
+                                        <p:cTn id="32" dur="1" fill="hold">
                                           <p:stCondLst>
                                             <p:cond delay="0"/>
                                           </p:stCondLst>
@@ -27009,7 +27811,7 @@
                                     </p:set>
                                     <p:animEffect transition="in" filter="fade">
                                       <p:cBhvr>
-                                        <p:cTn id="31" dur="500"/>
+                                        <p:cTn id="33" dur="500"/>
                                         <p:tgtEl>
                                           <p:spTgt spid="5"/>
                                         </p:tgtEl>
@@ -27025,26 +27827,26 @@
                     </p:cTn>
                   </p:par>
                   <p:par>
-                    <p:cTn id="32" fill="hold">
+                    <p:cTn id="34" fill="hold">
                       <p:stCondLst>
                         <p:cond delay="indefinite"/>
                       </p:stCondLst>
                       <p:childTnLst>
                         <p:par>
-                          <p:cTn id="33" fill="hold">
+                          <p:cTn id="35" fill="hold">
                             <p:stCondLst>
                               <p:cond delay="0"/>
                             </p:stCondLst>
                             <p:childTnLst>
                               <p:par>
-                                <p:cTn id="34" presetID="10" presetClass="entr" presetSubtype="0" fill="hold" grpId="0" nodeType="clickEffect">
+                                <p:cTn id="36" presetID="10" presetClass="entr" presetSubtype="0" fill="hold" grpId="0" nodeType="clickEffect">
                                   <p:stCondLst>
                                     <p:cond delay="0"/>
                                   </p:stCondLst>
                                   <p:childTnLst>
                                     <p:set>
                                       <p:cBhvr>
-                                        <p:cTn id="35" dur="1" fill="hold">
+                                        <p:cTn id="37" dur="1" fill="hold">
                                           <p:stCondLst>
                                             <p:cond delay="0"/>
                                           </p:stCondLst>
@@ -27066,7 +27868,7 @@
                                     </p:set>
                                     <p:animEffect transition="in" filter="fade">
                                       <p:cBhvr>
-                                        <p:cTn id="36" dur="500"/>
+                                        <p:cTn id="38" dur="500"/>
                                         <p:tgtEl>
                                           <p:spTgt spid="3">
                                             <p:txEl>
@@ -27080,14 +27882,14 @@
                                 </p:cTn>
                               </p:par>
                               <p:par>
-                                <p:cTn id="37" presetID="1" presetClass="exit" presetSubtype="0" fill="hold" grpId="1" nodeType="withEffect">
+                                <p:cTn id="39" presetID="1" presetClass="exit" presetSubtype="0" fill="hold" grpId="1" nodeType="withEffect">
                                   <p:stCondLst>
                                     <p:cond delay="0"/>
                                   </p:stCondLst>
                                   <p:childTnLst>
                                     <p:set>
                                       <p:cBhvr>
-                                        <p:cTn id="38" dur="1" fill="hold">
+                                        <p:cTn id="40" dur="1" fill="hold">
                                           <p:stCondLst>
                                             <p:cond delay="0"/>
                                           </p:stCondLst>
@@ -27110,20 +27912,20 @@
                           </p:cTn>
                         </p:par>
                         <p:par>
-                          <p:cTn id="39" fill="hold">
+                          <p:cTn id="41" fill="hold">
                             <p:stCondLst>
                               <p:cond delay="500"/>
                             </p:stCondLst>
                             <p:childTnLst>
                               <p:par>
-                                <p:cTn id="40" presetID="1" presetClass="entr" presetSubtype="0" fill="hold" grpId="0" nodeType="afterEffect">
+                                <p:cTn id="42" presetID="10" presetClass="entr" presetSubtype="0" fill="hold" grpId="0" nodeType="afterEffect">
                                   <p:stCondLst>
                                     <p:cond delay="0"/>
                                   </p:stCondLst>
                                   <p:childTnLst>
                                     <p:set>
                                       <p:cBhvr>
-                                        <p:cTn id="41" dur="1" fill="hold">
+                                        <p:cTn id="43" dur="1" fill="hold">
                                           <p:stCondLst>
                                             <p:cond delay="0"/>
                                           </p:stCondLst>
@@ -27139,18 +27941,26 @@
                                         <p:strVal val="visible"/>
                                       </p:to>
                                     </p:set>
+                                    <p:animEffect transition="in" filter="fade">
+                                      <p:cBhvr>
+                                        <p:cTn id="44" dur="500"/>
+                                        <p:tgtEl>
+                                          <p:spTgt spid="6"/>
+                                        </p:tgtEl>
+                                      </p:cBhvr>
+                                    </p:animEffect>
                                   </p:childTnLst>
                                 </p:cTn>
                               </p:par>
                               <p:par>
-                                <p:cTn id="42" presetID="1" presetClass="entr" presetSubtype="0" fill="hold" grpId="0" nodeType="withEffect">
+                                <p:cTn id="45" presetID="10" presetClass="entr" presetSubtype="0" fill="hold" grpId="0" nodeType="withEffect">
                                   <p:stCondLst>
                                     <p:cond delay="0"/>
                                   </p:stCondLst>
                                   <p:childTnLst>
                                     <p:set>
                                       <p:cBhvr>
-                                        <p:cTn id="43" dur="1" fill="hold">
+                                        <p:cTn id="46" dur="1" fill="hold">
                                           <p:stCondLst>
                                             <p:cond delay="0"/>
                                           </p:stCondLst>
@@ -27166,18 +27976,26 @@
                                         <p:strVal val="visible"/>
                                       </p:to>
                                     </p:set>
+                                    <p:animEffect transition="in" filter="fade">
+                                      <p:cBhvr>
+                                        <p:cTn id="47" dur="500"/>
+                                        <p:tgtEl>
+                                          <p:spTgt spid="8"/>
+                                        </p:tgtEl>
+                                      </p:cBhvr>
+                                    </p:animEffect>
                                   </p:childTnLst>
                                 </p:cTn>
                               </p:par>
                               <p:par>
-                                <p:cTn id="44" presetID="1" presetClass="entr" presetSubtype="0" fill="hold" grpId="0" nodeType="withEffect">
+                                <p:cTn id="48" presetID="10" presetClass="entr" presetSubtype="0" fill="hold" grpId="0" nodeType="withEffect">
                                   <p:stCondLst>
                                     <p:cond delay="0"/>
                                   </p:stCondLst>
                                   <p:childTnLst>
                                     <p:set>
                                       <p:cBhvr>
-                                        <p:cTn id="45" dur="1" fill="hold">
+                                        <p:cTn id="49" dur="1" fill="hold">
                                           <p:stCondLst>
                                             <p:cond delay="0"/>
                                           </p:stCondLst>
@@ -27193,18 +28011,26 @@
                                         <p:strVal val="visible"/>
                                       </p:to>
                                     </p:set>
+                                    <p:animEffect transition="in" filter="fade">
+                                      <p:cBhvr>
+                                        <p:cTn id="50" dur="500"/>
+                                        <p:tgtEl>
+                                          <p:spTgt spid="7"/>
+                                        </p:tgtEl>
+                                      </p:cBhvr>
+                                    </p:animEffect>
                                   </p:childTnLst>
                                 </p:cTn>
                               </p:par>
                               <p:par>
-                                <p:cTn id="46" presetID="1" presetClass="entr" presetSubtype="0" fill="hold" grpId="0" nodeType="withEffect">
+                                <p:cTn id="51" presetID="10" presetClass="entr" presetSubtype="0" fill="hold" grpId="0" nodeType="withEffect">
                                   <p:stCondLst>
                                     <p:cond delay="0"/>
                                   </p:stCondLst>
                                   <p:childTnLst>
                                     <p:set>
                                       <p:cBhvr>
-                                        <p:cTn id="47" dur="1" fill="hold">
+                                        <p:cTn id="52" dur="1" fill="hold">
                                           <p:stCondLst>
                                             <p:cond delay="0"/>
                                           </p:stCondLst>
@@ -27220,6 +28046,49 @@
                                         <p:strVal val="visible"/>
                                       </p:to>
                                     </p:set>
+                                    <p:animEffect transition="in" filter="fade">
+                                      <p:cBhvr>
+                                        <p:cTn id="53" dur="500"/>
+                                        <p:tgtEl>
+                                          <p:spTgt spid="12"/>
+                                        </p:tgtEl>
+                                      </p:cBhvr>
+                                    </p:animEffect>
+                                  </p:childTnLst>
+                                </p:cTn>
+                              </p:par>
+                              <p:par>
+                                <p:cTn id="54" presetID="10" presetClass="entr" presetSubtype="0" fill="hold" grpId="0" nodeType="withEffect">
+                                  <p:stCondLst>
+                                    <p:cond delay="0"/>
+                                  </p:stCondLst>
+                                  <p:childTnLst>
+                                    <p:set>
+                                      <p:cBhvr>
+                                        <p:cTn id="55" dur="1" fill="hold">
+                                          <p:stCondLst>
+                                            <p:cond delay="0"/>
+                                          </p:stCondLst>
+                                        </p:cTn>
+                                        <p:tgtEl>
+                                          <p:spTgt spid="13"/>
+                                        </p:tgtEl>
+                                        <p:attrNameLst>
+                                          <p:attrName>style.visibility</p:attrName>
+                                        </p:attrNameLst>
+                                      </p:cBhvr>
+                                      <p:to>
+                                        <p:strVal val="visible"/>
+                                      </p:to>
+                                    </p:set>
+                                    <p:animEffect transition="in" filter="fade">
+                                      <p:cBhvr>
+                                        <p:cTn id="56" dur="500"/>
+                                        <p:tgtEl>
+                                          <p:spTgt spid="13"/>
+                                        </p:tgtEl>
+                                      </p:cBhvr>
+                                    </p:animEffect>
                                   </p:childTnLst>
                                 </p:cTn>
                               </p:par>
@@ -27230,26 +28099,26 @@
                     </p:cTn>
                   </p:par>
                   <p:par>
-                    <p:cTn id="48" fill="hold">
+                    <p:cTn id="57" fill="hold">
                       <p:stCondLst>
                         <p:cond delay="indefinite"/>
                       </p:stCondLst>
                       <p:childTnLst>
                         <p:par>
-                          <p:cTn id="49" fill="hold">
+                          <p:cTn id="58" fill="hold">
                             <p:stCondLst>
                               <p:cond delay="0"/>
                             </p:stCondLst>
                             <p:childTnLst>
                               <p:par>
-                                <p:cTn id="50" presetID="10" presetClass="entr" presetSubtype="0" fill="hold" grpId="0" nodeType="clickEffect">
+                                <p:cTn id="59" presetID="10" presetClass="entr" presetSubtype="0" fill="hold" grpId="0" nodeType="clickEffect">
                                   <p:stCondLst>
                                     <p:cond delay="0"/>
                                   </p:stCondLst>
                                   <p:childTnLst>
                                     <p:set>
                                       <p:cBhvr>
-                                        <p:cTn id="51" dur="1" fill="hold">
+                                        <p:cTn id="60" dur="1" fill="hold">
                                           <p:stCondLst>
                                             <p:cond delay="0"/>
                                           </p:stCondLst>
@@ -27271,7 +28140,7 @@
                                     </p:set>
                                     <p:animEffect transition="in" filter="fade">
                                       <p:cBhvr>
-                                        <p:cTn id="52" dur="500"/>
+                                        <p:cTn id="61" dur="500"/>
                                         <p:tgtEl>
                                           <p:spTgt spid="3">
                                             <p:txEl>
@@ -27285,14 +28154,14 @@
                                 </p:cTn>
                               </p:par>
                               <p:par>
-                                <p:cTn id="53" presetID="1" presetClass="exit" presetSubtype="0" fill="hold" grpId="1" nodeType="withEffect">
+                                <p:cTn id="62" presetID="1" presetClass="exit" presetSubtype="0" fill="hold" grpId="1" nodeType="withEffect">
                                   <p:stCondLst>
                                     <p:cond delay="0"/>
                                   </p:stCondLst>
                                   <p:childTnLst>
                                     <p:set>
                                       <p:cBhvr>
-                                        <p:cTn id="54" dur="1" fill="hold">
+                                        <p:cTn id="63" dur="1" fill="hold">
                                           <p:stCondLst>
                                             <p:cond delay="0"/>
                                           </p:stCondLst>
@@ -27312,14 +28181,14 @@
                                 </p:cTn>
                               </p:par>
                               <p:par>
-                                <p:cTn id="55" presetID="1" presetClass="exit" presetSubtype="0" fill="hold" grpId="1" nodeType="withEffect">
+                                <p:cTn id="64" presetID="1" presetClass="exit" presetSubtype="0" fill="hold" grpId="1" nodeType="withEffect">
                                   <p:stCondLst>
                                     <p:cond delay="0"/>
                                   </p:stCondLst>
                                   <p:childTnLst>
                                     <p:set>
                                       <p:cBhvr>
-                                        <p:cTn id="56" dur="1" fill="hold">
+                                        <p:cTn id="65" dur="1" fill="hold">
                                           <p:stCondLst>
                                             <p:cond delay="0"/>
                                           </p:stCondLst>
@@ -27339,14 +28208,14 @@
                                 </p:cTn>
                               </p:par>
                               <p:par>
-                                <p:cTn id="57" presetID="1" presetClass="exit" presetSubtype="0" fill="hold" grpId="1" nodeType="withEffect">
+                                <p:cTn id="66" presetID="1" presetClass="exit" presetSubtype="0" fill="hold" grpId="1" nodeType="withEffect">
                                   <p:stCondLst>
                                     <p:cond delay="0"/>
                                   </p:stCondLst>
                                   <p:childTnLst>
                                     <p:set>
                                       <p:cBhvr>
-                                        <p:cTn id="58" dur="1" fill="hold">
+                                        <p:cTn id="67" dur="1" fill="hold">
                                           <p:stCondLst>
                                             <p:cond delay="0"/>
                                           </p:stCondLst>
@@ -27366,14 +28235,14 @@
                                 </p:cTn>
                               </p:par>
                               <p:par>
-                                <p:cTn id="59" presetID="1" presetClass="exit" presetSubtype="0" fill="hold" grpId="1" nodeType="withEffect">
+                                <p:cTn id="68" presetID="1" presetClass="exit" presetSubtype="0" fill="hold" grpId="1" nodeType="withEffect">
                                   <p:stCondLst>
                                     <p:cond delay="0"/>
                                   </p:stCondLst>
                                   <p:childTnLst>
                                     <p:set>
                                       <p:cBhvr>
-                                        <p:cTn id="60" dur="1" fill="hold">
+                                        <p:cTn id="69" dur="1" fill="hold">
                                           <p:stCondLst>
                                             <p:cond delay="0"/>
                                           </p:stCondLst>
@@ -27392,24 +28261,51 @@
                                   </p:childTnLst>
                                 </p:cTn>
                               </p:par>
-                            </p:childTnLst>
-                          </p:cTn>
-                        </p:par>
-                        <p:par>
-                          <p:cTn id="61" fill="hold">
-                            <p:stCondLst>
-                              <p:cond delay="500"/>
-                            </p:stCondLst>
-                            <p:childTnLst>
                               <p:par>
-                                <p:cTn id="62" presetID="10" presetClass="entr" presetSubtype="0" fill="hold" grpId="0" nodeType="afterEffect">
+                                <p:cTn id="70" presetID="1" presetClass="exit" presetSubtype="0" fill="hold" grpId="1" nodeType="withEffect">
                                   <p:stCondLst>
                                     <p:cond delay="0"/>
                                   </p:stCondLst>
                                   <p:childTnLst>
                                     <p:set>
                                       <p:cBhvr>
-                                        <p:cTn id="63" dur="1" fill="hold">
+                                        <p:cTn id="71" dur="1" fill="hold">
+                                          <p:stCondLst>
+                                            <p:cond delay="0"/>
+                                          </p:stCondLst>
+                                        </p:cTn>
+                                        <p:tgtEl>
+                                          <p:spTgt spid="13"/>
+                                        </p:tgtEl>
+                                        <p:attrNameLst>
+                                          <p:attrName>style.visibility</p:attrName>
+                                        </p:attrNameLst>
+                                      </p:cBhvr>
+                                      <p:to>
+                                        <p:strVal val="hidden"/>
+                                      </p:to>
+                                    </p:set>
+                                  </p:childTnLst>
+                                </p:cTn>
+                              </p:par>
+                            </p:childTnLst>
+                          </p:cTn>
+                        </p:par>
+                        <p:par>
+                          <p:cTn id="72" fill="hold">
+                            <p:stCondLst>
+                              <p:cond delay="500"/>
+                            </p:stCondLst>
+                            <p:childTnLst>
+                              <p:par>
+                                <p:cTn id="73" presetID="10" presetClass="entr" presetSubtype="0" fill="hold" grpId="0" nodeType="afterEffect">
+                                  <p:stCondLst>
+                                    <p:cond delay="0"/>
+                                  </p:stCondLst>
+                                  <p:childTnLst>
+                                    <p:set>
+                                      <p:cBhvr>
+                                        <p:cTn id="74" dur="1" fill="hold">
                                           <p:stCondLst>
                                             <p:cond delay="0"/>
                                           </p:stCondLst>
@@ -27427,7 +28323,7 @@
                                     </p:set>
                                     <p:animEffect transition="in" filter="fade">
                                       <p:cBhvr>
-                                        <p:cTn id="64" dur="500"/>
+                                        <p:cTn id="75" dur="500"/>
                                         <p:tgtEl>
                                           <p:spTgt spid="11"/>
                                         </p:tgtEl>
@@ -27443,26 +28339,26 @@
                     </p:cTn>
                   </p:par>
                   <p:par>
-                    <p:cTn id="65" fill="hold">
+                    <p:cTn id="76" fill="hold">
                       <p:stCondLst>
                         <p:cond delay="indefinite"/>
                       </p:stCondLst>
                       <p:childTnLst>
                         <p:par>
-                          <p:cTn id="66" fill="hold">
+                          <p:cTn id="77" fill="hold">
                             <p:stCondLst>
                               <p:cond delay="0"/>
                             </p:stCondLst>
                             <p:childTnLst>
                               <p:par>
-                                <p:cTn id="67" presetID="10" presetClass="entr" presetSubtype="0" fill="hold" grpId="0" nodeType="clickEffect">
+                                <p:cTn id="78" presetID="10" presetClass="entr" presetSubtype="0" fill="hold" grpId="0" nodeType="clickEffect">
                                   <p:stCondLst>
                                     <p:cond delay="0"/>
                                   </p:stCondLst>
                                   <p:childTnLst>
                                     <p:set>
                                       <p:cBhvr>
-                                        <p:cTn id="68" dur="1" fill="hold">
+                                        <p:cTn id="79" dur="1" fill="hold">
                                           <p:stCondLst>
                                             <p:cond delay="0"/>
                                           </p:stCondLst>
@@ -27484,7 +28380,7 @@
                                     </p:set>
                                     <p:animEffect transition="in" filter="fade">
                                       <p:cBhvr>
-                                        <p:cTn id="69" dur="500"/>
+                                        <p:cTn id="80" dur="500"/>
                                         <p:tgtEl>
                                           <p:spTgt spid="3">
                                             <p:txEl>
@@ -27498,14 +28394,14 @@
                                 </p:cTn>
                               </p:par>
                               <p:par>
-                                <p:cTn id="70" presetID="1" presetClass="exit" presetSubtype="0" fill="hold" grpId="1" nodeType="withEffect">
+                                <p:cTn id="81" presetID="1" presetClass="exit" presetSubtype="0" fill="hold" grpId="1" nodeType="withEffect">
                                   <p:stCondLst>
                                     <p:cond delay="0"/>
                                   </p:stCondLst>
                                   <p:childTnLst>
                                     <p:set>
                                       <p:cBhvr>
-                                        <p:cTn id="71" dur="1" fill="hold">
+                                        <p:cTn id="82" dur="1" fill="hold">
                                           <p:stCondLst>
                                             <p:cond delay="0"/>
                                           </p:stCondLst>
@@ -27569,6 +28465,8 @@
       <p:bldP spid="11" grpId="1" animBg="1"/>
       <p:bldP spid="12" grpId="0" animBg="1"/>
       <p:bldP spid="12" grpId="1" animBg="1"/>
+      <p:bldP spid="13" grpId="0" animBg="1"/>
+      <p:bldP spid="13" grpId="1" animBg="1"/>
     </p:bldLst>
   </p:timing>
 </p:sld>

--- a/Keeping up with C#.pptx
+++ b/Keeping up with C#.pptx
@@ -276,7 +276,7 @@
           <a:p>
             <a:fld id="{CD52976B-C45C-4BAD-95CD-9AAA3C763348}" type="datetimeFigureOut">
               <a:rPr lang="en-US" smtClean="0"/>
-              <a:t>7/14/2022</a:t>
+              <a:t>10/18/2022</a:t>
             </a:fld>
             <a:endParaRPr lang="en-US"/>
           </a:p>
@@ -474,7 +474,7 @@
           <a:p>
             <a:fld id="{CD52976B-C45C-4BAD-95CD-9AAA3C763348}" type="datetimeFigureOut">
               <a:rPr lang="en-US" smtClean="0"/>
-              <a:t>7/14/2022</a:t>
+              <a:t>10/18/2022</a:t>
             </a:fld>
             <a:endParaRPr lang="en-US"/>
           </a:p>
@@ -682,7 +682,7 @@
           <a:p>
             <a:fld id="{CD52976B-C45C-4BAD-95CD-9AAA3C763348}" type="datetimeFigureOut">
               <a:rPr lang="en-US" smtClean="0"/>
-              <a:t>7/14/2022</a:t>
+              <a:t>10/18/2022</a:t>
             </a:fld>
             <a:endParaRPr lang="en-US"/>
           </a:p>
@@ -880,7 +880,7 @@
           <a:p>
             <a:fld id="{CD52976B-C45C-4BAD-95CD-9AAA3C763348}" type="datetimeFigureOut">
               <a:rPr lang="en-US" smtClean="0"/>
-              <a:t>7/14/2022</a:t>
+              <a:t>10/18/2022</a:t>
             </a:fld>
             <a:endParaRPr lang="en-US"/>
           </a:p>
@@ -1155,7 +1155,7 @@
           <a:p>
             <a:fld id="{CD52976B-C45C-4BAD-95CD-9AAA3C763348}" type="datetimeFigureOut">
               <a:rPr lang="en-US" smtClean="0"/>
-              <a:t>7/14/2022</a:t>
+              <a:t>10/18/2022</a:t>
             </a:fld>
             <a:endParaRPr lang="en-US"/>
           </a:p>
@@ -1420,7 +1420,7 @@
           <a:p>
             <a:fld id="{CD52976B-C45C-4BAD-95CD-9AAA3C763348}" type="datetimeFigureOut">
               <a:rPr lang="en-US" smtClean="0"/>
-              <a:t>7/14/2022</a:t>
+              <a:t>10/18/2022</a:t>
             </a:fld>
             <a:endParaRPr lang="en-US"/>
           </a:p>
@@ -1832,7 +1832,7 @@
           <a:p>
             <a:fld id="{CD52976B-C45C-4BAD-95CD-9AAA3C763348}" type="datetimeFigureOut">
               <a:rPr lang="en-US" smtClean="0"/>
-              <a:t>7/14/2022</a:t>
+              <a:t>10/18/2022</a:t>
             </a:fld>
             <a:endParaRPr lang="en-US"/>
           </a:p>
@@ -1973,7 +1973,7 @@
           <a:p>
             <a:fld id="{CD52976B-C45C-4BAD-95CD-9AAA3C763348}" type="datetimeFigureOut">
               <a:rPr lang="en-US" smtClean="0"/>
-              <a:t>7/14/2022</a:t>
+              <a:t>10/18/2022</a:t>
             </a:fld>
             <a:endParaRPr lang="en-US"/>
           </a:p>
@@ -2086,7 +2086,7 @@
           <a:p>
             <a:fld id="{CD52976B-C45C-4BAD-95CD-9AAA3C763348}" type="datetimeFigureOut">
               <a:rPr lang="en-US" smtClean="0"/>
-              <a:t>7/14/2022</a:t>
+              <a:t>10/18/2022</a:t>
             </a:fld>
             <a:endParaRPr lang="en-US"/>
           </a:p>
@@ -2397,7 +2397,7 @@
           <a:p>
             <a:fld id="{CD52976B-C45C-4BAD-95CD-9AAA3C763348}" type="datetimeFigureOut">
               <a:rPr lang="en-US" smtClean="0"/>
-              <a:t>7/14/2022</a:t>
+              <a:t>10/18/2022</a:t>
             </a:fld>
             <a:endParaRPr lang="en-US"/>
           </a:p>
@@ -2685,7 +2685,7 @@
           <a:p>
             <a:fld id="{CD52976B-C45C-4BAD-95CD-9AAA3C763348}" type="datetimeFigureOut">
               <a:rPr lang="en-US" smtClean="0"/>
-              <a:t>7/14/2022</a:t>
+              <a:t>10/18/2022</a:t>
             </a:fld>
             <a:endParaRPr lang="en-US"/>
           </a:p>
@@ -2935,7 +2935,7 @@
           <a:p>
             <a:fld id="{CD52976B-C45C-4BAD-95CD-9AAA3C763348}" type="datetimeFigureOut">
               <a:rPr lang="en-US" smtClean="0"/>
-              <a:t>7/14/2022</a:t>
+              <a:t>10/18/2022</a:t>
             </a:fld>
             <a:endParaRPr lang="en-US"/>
           </a:p>
@@ -14165,14 +14165,13 @@
               <a:t>: </a:t>
             </a:r>
             <a:r>
-              <a:rPr lang="en-US" sz="1100" b="0" dirty="0">
+              <a:rPr lang="en-US" sz="1100" dirty="0">
                 <a:solidFill>
                   <a:srgbClr val="B5CEA8"/>
                 </a:solidFill>
-                <a:effectLst/>
-                <a:latin typeface="Consolas" panose="020B0609020204030204" pitchFamily="49" charset="0"/>
-              </a:rPr>
-              <a:t>7</a:t>
+                <a:latin typeface="Consolas" panose="020B0609020204030204" pitchFamily="49" charset="0"/>
+              </a:rPr>
+              <a:t>10</a:t>
             </a:r>
             <a:r>
               <a:rPr lang="en-US" sz="1100" b="0" dirty="0">
@@ -14212,7 +14211,7 @@
                 <a:effectLst/>
                 <a:latin typeface="Consolas" panose="020B0609020204030204" pitchFamily="49" charset="0"/>
               </a:rPr>
-              <a:t>13</a:t>
+              <a:t>18</a:t>
             </a:r>
             <a:r>
               <a:rPr lang="en-US" sz="1100" b="0" dirty="0">
@@ -14252,47 +14251,7 @@
                 <a:effectLst/>
                 <a:latin typeface="Consolas" panose="020B0609020204030204" pitchFamily="49" charset="0"/>
               </a:rPr>
-              <a:t>14</a:t>
-            </a:r>
-            <a:r>
-              <a:rPr lang="en-US" sz="1100" b="0" dirty="0">
-                <a:solidFill>
-                  <a:srgbClr val="D4D4D4"/>
-                </a:solidFill>
-                <a:effectLst/>
-                <a:latin typeface="Consolas" panose="020B0609020204030204" pitchFamily="49" charset="0"/>
-              </a:rPr>
-              <a:t> </a:t>
-            </a:r>
-            <a:r>
-              <a:rPr lang="en-US" sz="1100" b="0" dirty="0">
-                <a:solidFill>
-                  <a:srgbClr val="569CD6"/>
-                </a:solidFill>
-                <a:effectLst/>
-                <a:latin typeface="Consolas" panose="020B0609020204030204" pitchFamily="49" charset="0"/>
-              </a:rPr>
-              <a:t>or</a:t>
-            </a:r>
-            <a:r>
-              <a:rPr lang="en-US" sz="1100" b="0" dirty="0">
-                <a:solidFill>
-                  <a:srgbClr val="D4D4D4"/>
-                </a:solidFill>
-                <a:effectLst/>
-                <a:latin typeface="Consolas" panose="020B0609020204030204" pitchFamily="49" charset="0"/>
-              </a:rPr>
-              <a:t> </a:t>
-            </a:r>
-            <a:r>
-              <a:rPr lang="en-US" sz="1100" b="0" dirty="0">
-                <a:solidFill>
-                  <a:srgbClr val="B5CEA8"/>
-                </a:solidFill>
-                <a:effectLst/>
-                <a:latin typeface="Consolas" panose="020B0609020204030204" pitchFamily="49" charset="0"/>
-              </a:rPr>
-              <a:t>15</a:t>
+              <a:t>19</a:t>
             </a:r>
             <a:r>
               <a:rPr lang="en-US" sz="1100" b="0" dirty="0">
